--- a/databasebemutato.pptx
+++ b/databasebemutato.pptx
@@ -109,6 +109,11 @@
       </a:defRPr>
     </a:lvl9pPr>
   </p:defaultTextStyle>
+  <p:extLst>
+    <p:ext uri="{EFAFB233-063F-42B5-8137-9DF3F51BA10A}">
+      <p15:sldGuideLst xmlns:p15="http://schemas.microsoft.com/office/powerpoint/2012/main"/>
+    </p:ext>
+  </p:extLst>
 </p:presentation>
 </file>
 
@@ -4273,7 +4278,7 @@
         </p:nvSpPr>
         <p:spPr>
           <a:xfrm>
-            <a:off x="4731798" y="1979720"/>
+            <a:off x="4696287" y="1926454"/>
             <a:ext cx="6835806" cy="646331"/>
           </a:xfrm>
           <a:prstGeom prst="rect">
@@ -4297,15 +4302,15 @@
             </a:r>
             <a:r>
               <a:rPr lang="hu-HU" dirty="0"/>
-              <a:t> tábla felel a felhasználók adatai tárolására mikor változtatnak bármilyen adatot, ennek megtörténéséért egy </a:t>
+              <a:t> tábla azért felel, hogy a felhasználók adatainak változása előtt elmentse a régi adatokat </a:t>
             </a:r>
             <a:r>
               <a:rPr lang="hu-HU" dirty="0" err="1"/>
-              <a:t>trigger</a:t>
+              <a:t>logolás</a:t>
             </a:r>
             <a:r>
               <a:rPr lang="hu-HU" dirty="0"/>
-              <a:t> felel</a:t>
+              <a:t> szüksége miatt</a:t>
             </a:r>
           </a:p>
         </p:txBody>

--- a/databasebemutato.pptx
+++ b/databasebemutato.pptx
@@ -264,7 +264,7 @@
           <a:p>
             <a:fld id="{8B2BDFDE-CFD3-4927-94FB-723BD0352D05}" type="datetimeFigureOut">
               <a:rPr lang="hu-HU" smtClean="0"/>
-              <a:t>2025. 12. 03.</a:t>
+              <a:t>2025. 12. 04.</a:t>
             </a:fld>
             <a:endParaRPr lang="hu-HU"/>
           </a:p>
@@ -462,7 +462,7 @@
           <a:p>
             <a:fld id="{8B2BDFDE-CFD3-4927-94FB-723BD0352D05}" type="datetimeFigureOut">
               <a:rPr lang="hu-HU" smtClean="0"/>
-              <a:t>2025. 12. 03.</a:t>
+              <a:t>2025. 12. 04.</a:t>
             </a:fld>
             <a:endParaRPr lang="hu-HU"/>
           </a:p>
@@ -670,7 +670,7 @@
           <a:p>
             <a:fld id="{8B2BDFDE-CFD3-4927-94FB-723BD0352D05}" type="datetimeFigureOut">
               <a:rPr lang="hu-HU" smtClean="0"/>
-              <a:t>2025. 12. 03.</a:t>
+              <a:t>2025. 12. 04.</a:t>
             </a:fld>
             <a:endParaRPr lang="hu-HU"/>
           </a:p>
@@ -868,7 +868,7 @@
           <a:p>
             <a:fld id="{8B2BDFDE-CFD3-4927-94FB-723BD0352D05}" type="datetimeFigureOut">
               <a:rPr lang="hu-HU" smtClean="0"/>
-              <a:t>2025. 12. 03.</a:t>
+              <a:t>2025. 12. 04.</a:t>
             </a:fld>
             <a:endParaRPr lang="hu-HU"/>
           </a:p>
@@ -1143,7 +1143,7 @@
           <a:p>
             <a:fld id="{8B2BDFDE-CFD3-4927-94FB-723BD0352D05}" type="datetimeFigureOut">
               <a:rPr lang="hu-HU" smtClean="0"/>
-              <a:t>2025. 12. 03.</a:t>
+              <a:t>2025. 12. 04.</a:t>
             </a:fld>
             <a:endParaRPr lang="hu-HU"/>
           </a:p>
@@ -1408,7 +1408,7 @@
           <a:p>
             <a:fld id="{8B2BDFDE-CFD3-4927-94FB-723BD0352D05}" type="datetimeFigureOut">
               <a:rPr lang="hu-HU" smtClean="0"/>
-              <a:t>2025. 12. 03.</a:t>
+              <a:t>2025. 12. 04.</a:t>
             </a:fld>
             <a:endParaRPr lang="hu-HU"/>
           </a:p>
@@ -1820,7 +1820,7 @@
           <a:p>
             <a:fld id="{8B2BDFDE-CFD3-4927-94FB-723BD0352D05}" type="datetimeFigureOut">
               <a:rPr lang="hu-HU" smtClean="0"/>
-              <a:t>2025. 12. 03.</a:t>
+              <a:t>2025. 12. 04.</a:t>
             </a:fld>
             <a:endParaRPr lang="hu-HU"/>
           </a:p>
@@ -1961,7 +1961,7 @@
           <a:p>
             <a:fld id="{8B2BDFDE-CFD3-4927-94FB-723BD0352D05}" type="datetimeFigureOut">
               <a:rPr lang="hu-HU" smtClean="0"/>
-              <a:t>2025. 12. 03.</a:t>
+              <a:t>2025. 12. 04.</a:t>
             </a:fld>
             <a:endParaRPr lang="hu-HU"/>
           </a:p>
@@ -2074,7 +2074,7 @@
           <a:p>
             <a:fld id="{8B2BDFDE-CFD3-4927-94FB-723BD0352D05}" type="datetimeFigureOut">
               <a:rPr lang="hu-HU" smtClean="0"/>
-              <a:t>2025. 12. 03.</a:t>
+              <a:t>2025. 12. 04.</a:t>
             </a:fld>
             <a:endParaRPr lang="hu-HU"/>
           </a:p>
@@ -2385,7 +2385,7 @@
           <a:p>
             <a:fld id="{8B2BDFDE-CFD3-4927-94FB-723BD0352D05}" type="datetimeFigureOut">
               <a:rPr lang="hu-HU" smtClean="0"/>
-              <a:t>2025. 12. 03.</a:t>
+              <a:t>2025. 12. 04.</a:t>
             </a:fld>
             <a:endParaRPr lang="hu-HU"/>
           </a:p>
@@ -2673,7 +2673,7 @@
           <a:p>
             <a:fld id="{8B2BDFDE-CFD3-4927-94FB-723BD0352D05}" type="datetimeFigureOut">
               <a:rPr lang="hu-HU" smtClean="0"/>
-              <a:t>2025. 12. 03.</a:t>
+              <a:t>2025. 12. 04.</a:t>
             </a:fld>
             <a:endParaRPr lang="hu-HU"/>
           </a:p>
@@ -2914,7 +2914,7 @@
           <a:p>
             <a:fld id="{8B2BDFDE-CFD3-4927-94FB-723BD0352D05}" type="datetimeFigureOut">
               <a:rPr lang="hu-HU" smtClean="0"/>
-              <a:t>2025. 12. 03.</a:t>
+              <a:t>2025. 12. 04.</a:t>
             </a:fld>
             <a:endParaRPr lang="hu-HU"/>
           </a:p>
@@ -3331,6 +3331,36 @@
           <a:chExt cx="0" cy="0"/>
         </a:xfrm>
       </p:grpSpPr>
+      <p:pic>
+        <p:nvPicPr>
+          <p:cNvPr id="5" name="Kép 4">
+            <a:extLst>
+              <a:ext uri="{FF2B5EF4-FFF2-40B4-BE49-F238E27FC236}">
+                <a16:creationId xmlns:a16="http://schemas.microsoft.com/office/drawing/2014/main" id="{D3D7F8E6-D8FA-45A2-8383-85607F974D56}"/>
+              </a:ext>
+            </a:extLst>
+          </p:cNvPr>
+          <p:cNvPicPr>
+            <a:picLocks noChangeAspect="1"/>
+          </p:cNvPicPr>
+          <p:nvPr/>
+        </p:nvPicPr>
+        <p:blipFill>
+          <a:blip r:embed="rId2"/>
+          <a:stretch>
+            <a:fillRect/>
+          </a:stretch>
+        </p:blipFill>
+        <p:spPr>
+          <a:xfrm>
+            <a:off x="1843869" y="80963"/>
+            <a:ext cx="8504261" cy="6858000"/>
+          </a:xfrm>
+          <a:prstGeom prst="rect">
+            <a:avLst/>
+          </a:prstGeom>
+        </p:spPr>
+      </p:pic>
       <p:sp>
         <p:nvSpPr>
           <p:cNvPr id="2" name="Cím 1">
